--- a/Presentation/TicketMan®.pptx
+++ b/Presentation/TicketMan®.pptx
@@ -119,6 +119,11 @@
       </a:defRPr>
     </a:lvl9pPr>
   </p:defaultTextStyle>
+  <p:extLst>
+    <p:ext uri="{EFAFB233-063F-42B5-8137-9DF3F51BA10A}">
+      <p15:sldGuideLst xmlns:p15="http://schemas.microsoft.com/office/powerpoint/2012/main"/>
+    </p:ext>
+  </p:extLst>
 </p:presentation>
 </file>
 
@@ -7076,8 +7081,8 @@
         </p:nvSpPr>
         <p:spPr>
           <a:xfrm>
-            <a:off x="3833769" y="1736521"/>
-            <a:ext cx="7961152" cy="4154984"/>
+            <a:off x="3833768" y="1736521"/>
+            <a:ext cx="8199681" cy="3785652"/>
           </a:xfrm>
           <a:prstGeom prst="rect">
             <a:avLst/>
@@ -7106,7 +7111,7 @@
             </a:pPr>
             <a:r>
               <a:rPr lang="en-US" sz="2400" dirty="0"/>
-              <a:t>The developers were also the testers ,So how can we know we’ve tested the program objective ?</a:t>
+              <a:t>The developers were also the testers ,So how can we know we’ve tested the program objectively ?</a:t>
             </a:r>
           </a:p>
           <a:p>
@@ -7242,7 +7247,7 @@
             </a:pPr>
             <a:r>
               <a:rPr lang="en-US" sz="2400" dirty="0"/>
-              <a:t>The lack of GUI is also cost us in the statistics and analyze . feature without allowing us the view to the user graphs and charts . </a:t>
+              <a:t>The lack of GUI has also cost us in the statistics and analyze feature without allowing us display graphs and charts to the user . </a:t>
             </a:r>
             <a:endParaRPr lang="he-IL" sz="2400" dirty="0"/>
           </a:p>
@@ -7253,7 +7258,7 @@
             </a:pPr>
             <a:r>
               <a:rPr lang="en-US" sz="2400" dirty="0"/>
-              <a:t>The System cannot work online .Which mean that the system isn't compile to work within separate users at the same time .</a:t>
+              <a:t>The System cannot work online .Which mean that the system isn’t capable to work within separate users at the same time .</a:t>
             </a:r>
           </a:p>
           <a:p>
@@ -7346,7 +7351,7 @@
         <p:spPr>
           <a:xfrm>
             <a:off x="3833769" y="1736521"/>
-            <a:ext cx="7961152" cy="3416320"/>
+            <a:ext cx="7961152" cy="4154984"/>
           </a:xfrm>
           <a:prstGeom prst="rect">
             <a:avLst/>
@@ -7393,7 +7398,7 @@
             </a:r>
             <a:r>
               <a:rPr lang="en-US" sz="2400" dirty="0"/>
-              <a:t>is a catalyst to mistakes and skip important steps ,So we needed to check all the time on our working process that is done correctly . </a:t>
+              <a:t>is a catalyst to mistakes and skipping important steps ,So we needed to check all the time on our working process that is done correctly . </a:t>
             </a:r>
           </a:p>
           <a:p>
@@ -7485,7 +7490,7 @@
         </p:nvSpPr>
         <p:spPr>
           <a:xfrm>
-            <a:off x="6096000" y="3162650"/>
+            <a:off x="5147870" y="4894706"/>
             <a:ext cx="5596404" cy="461665"/>
           </a:xfrm>
           <a:prstGeom prst="rect">
@@ -7770,7 +7775,7 @@
         <p:spPr>
           <a:xfrm>
             <a:off x="4546832" y="1568741"/>
-            <a:ext cx="6727971" cy="2677656"/>
+            <a:ext cx="6727971" cy="3416320"/>
           </a:xfrm>
           <a:prstGeom prst="rect">
             <a:avLst/>
@@ -7784,7 +7789,7 @@
           <a:lstStyle/>
           <a:p>
             <a:r>
-              <a:rPr lang="en-US" sz="2400" i="1" dirty="0"/>
+              <a:rPr lang="en-US" sz="2400" dirty="0"/>
               <a:t>In many organizations which have a technical support department, there needs to be a management and control system that could handle the vast information of many technical problems they are in charge of, this system is rooted on the company workers and their ability to use this kind of information to solve their problems in the best possible way.</a:t>
             </a:r>
             <a:endParaRPr lang="en-IL" sz="2400" dirty="0"/>
@@ -7928,13 +7933,13 @@
           <a:p>
             <a:r>
               <a:rPr lang="en-US" sz="2400" dirty="0"/>
-              <a:t>For our product there was a lot of requirements that we would need to addressed .</a:t>
+              <a:t>Our product had a lot of requirements that we was needed to address .</a:t>
             </a:r>
           </a:p>
           <a:p>
             <a:r>
               <a:rPr lang="en-US" sz="2400" dirty="0"/>
-              <a:t>Some of the requirements we will show you in the next slide .</a:t>
+              <a:t>Some of this requirements we will show to you in the next slide .</a:t>
             </a:r>
             <a:endParaRPr lang="en-IL" sz="2400" dirty="0"/>
           </a:p>
@@ -8029,7 +8034,7 @@
         <p:spPr>
           <a:xfrm>
             <a:off x="4211272" y="1828800"/>
-            <a:ext cx="7793373" cy="3416320"/>
+            <a:ext cx="7793373" cy="3785652"/>
           </a:xfrm>
           <a:prstGeom prst="rect">
             <a:avLst/>
@@ -8044,7 +8049,7 @@
           <a:p>
             <a:r>
               <a:rPr lang="en-US" sz="2400" dirty="0"/>
-              <a:t>In this requirement we needed to create a Login system that will restrict the product only for the client's workers and also for documentation the ticket’s creator contact details .</a:t>
+              <a:t>In this requirement we needed to create a Login system that will restrict the product only for the client's workers and also for documentation of the ticket’s creator contact details .</a:t>
             </a:r>
           </a:p>
           <a:p>
@@ -8053,7 +8058,7 @@
           <a:p>
             <a:r>
               <a:rPr lang="en-US" sz="2400" dirty="0"/>
-              <a:t>To answer that , we have created a database that will contain all the user's information and contact details for the tickets creation as also Authenticate  the user when log in with username and password that are saved in the database . </a:t>
+              <a:t>To answer that , we have created a database that will contain all the user's information and contact details for the tickets creation as also to authenticate the user when log in with username and password that are saved in the database . </a:t>
             </a:r>
             <a:endParaRPr lang="en-IL" sz="2400" dirty="0"/>
           </a:p>
@@ -8163,7 +8168,7 @@
           <a:p>
             <a:r>
               <a:rPr lang="en-GB" sz="2400" dirty="0"/>
-              <a:t>For the support tickets database manager system we have needed of </a:t>
+              <a:t>For the support tickets database manager system we need of </a:t>
             </a:r>
             <a:r>
               <a:rPr lang="en-US" sz="2400" dirty="0"/>
@@ -8274,7 +8279,7 @@
         <p:spPr>
           <a:xfrm>
             <a:off x="4211272" y="1828800"/>
-            <a:ext cx="7793373" cy="3046988"/>
+            <a:ext cx="7793373" cy="3785652"/>
           </a:xfrm>
           <a:prstGeom prst="rect">
             <a:avLst/>
@@ -8289,7 +8294,7 @@
           <a:p>
             <a:r>
               <a:rPr lang="en-US" sz="2400" dirty="0"/>
-              <a:t>We know that every service ticket need to be handle and eventually be closed .for that a ticket need to be updated ,edited ,changed and in the end closed .</a:t>
+              <a:t>We know that every service ticket need to be handle and eventually be closed .for that ,A ticket needs to be updated ,edited ,changed and in the end closed .</a:t>
             </a:r>
           </a:p>
           <a:p>
@@ -8298,7 +8303,7 @@
           <a:p>
             <a:r>
               <a:rPr lang="en-US" sz="2400" dirty="0"/>
-              <a:t>So we have created an update system for our system that can do all of these ,like update the ticket by stakeholders ,adding notes ,changing contact details and of course ,update the ticket status and close it .</a:t>
+              <a:t>So we have created an update system for our system that can do all of these ,like update the ticket stakeholders ,adding notes ,changing contact details and of course ,update the ticket status and close it .</a:t>
             </a:r>
             <a:endParaRPr lang="en-IL" sz="2400" dirty="0"/>
           </a:p>

--- a/Presentation/TicketMan®.pptx
+++ b/Presentation/TicketMan®.pptx
@@ -7001,6 +7001,42 @@
           </a:p>
         </p:txBody>
       </p:sp>
+      <p:pic>
+        <p:nvPicPr>
+          <p:cNvPr id="5" name="Graphic 4">
+            <a:extLst>
+              <a:ext uri="{FF2B5EF4-FFF2-40B4-BE49-F238E27FC236}">
+                <a16:creationId xmlns:a16="http://schemas.microsoft.com/office/drawing/2014/main" id="{77F03CAF-322D-42A6-AD87-9F724942BF13}"/>
+              </a:ext>
+            </a:extLst>
+          </p:cNvPr>
+          <p:cNvPicPr>
+            <a:picLocks noChangeAspect="1"/>
+          </p:cNvPicPr>
+          <p:nvPr/>
+        </p:nvPicPr>
+        <p:blipFill>
+          <a:blip r:embed="rId2">
+            <a:extLst>
+              <a:ext uri="{96DAC541-7B7A-43D3-8B79-37D633B846F1}">
+                <asvg:svgBlip xmlns:asvg="http://schemas.microsoft.com/office/drawing/2016/SVG/main" r:embed="rId3"/>
+              </a:ext>
+            </a:extLst>
+          </a:blip>
+          <a:stretch>
+            <a:fillRect/>
+          </a:stretch>
+        </p:blipFill>
+        <p:spPr>
+          <a:xfrm>
+            <a:off x="6542086" y="905356"/>
+            <a:ext cx="2305050" cy="2305050"/>
+          </a:xfrm>
+          <a:prstGeom prst="rect">
+            <a:avLst/>
+          </a:prstGeom>
+        </p:spPr>
+      </p:pic>
     </p:spTree>
     <p:extLst>
       <p:ext uri="{BB962C8B-B14F-4D97-AF65-F5344CB8AC3E}">
